--- a/Week 6/week_6_slides.pptx
+++ b/Week 6/week_6_slides.pptx
@@ -125,10 +125,6 @@
 </p:presentation>
 </file>
 
-<file path=ppt/revisionInfo.xml><?xml version="1.0" encoding="utf-8"?>
-<p1510:revInfo xmlns:a="http://schemas.openxmlformats.org/drawingml/2006/main" xmlns:r="http://schemas.openxmlformats.org/officeDocument/2006/relationships" xmlns:p1510="http://schemas.microsoft.com/office/powerpoint/2015/10/main"/>
-</file>
-
 <file path=ppt/slideLayouts/slideLayout1.xml><?xml version="1.0" encoding="utf-8"?>
 <p:sldLayout xmlns:a="http://schemas.openxmlformats.org/drawingml/2006/main" xmlns:r="http://schemas.openxmlformats.org/officeDocument/2006/relationships" xmlns:p="http://schemas.openxmlformats.org/presentationml/2006/main" type="title" preserve="1">
   <p:cSld name="Title Slide">
@@ -258,7 +254,7 @@
           <a:p>
             <a:fld id="{25FF9070-726E-4F4F-998D-B436A87A6068}" type="datetimeFigureOut">
               <a:rPr lang="en-US" smtClean="0"/>
-              <a:t>2/15/2018</a:t>
+              <a:t>2/24/2019</a:t>
             </a:fld>
             <a:endParaRPr lang="en-US"/>
           </a:p>
@@ -426,7 +422,7 @@
           <a:p>
             <a:fld id="{25FF9070-726E-4F4F-998D-B436A87A6068}" type="datetimeFigureOut">
               <a:rPr lang="en-US" smtClean="0"/>
-              <a:t>2/15/2018</a:t>
+              <a:t>2/24/2019</a:t>
             </a:fld>
             <a:endParaRPr lang="en-US"/>
           </a:p>
@@ -604,7 +600,7 @@
           <a:p>
             <a:fld id="{25FF9070-726E-4F4F-998D-B436A87A6068}" type="datetimeFigureOut">
               <a:rPr lang="en-US" smtClean="0"/>
-              <a:t>2/15/2018</a:t>
+              <a:t>2/24/2019</a:t>
             </a:fld>
             <a:endParaRPr lang="en-US"/>
           </a:p>
@@ -772,7 +768,7 @@
           <a:p>
             <a:fld id="{25FF9070-726E-4F4F-998D-B436A87A6068}" type="datetimeFigureOut">
               <a:rPr lang="en-US" smtClean="0"/>
-              <a:t>2/15/2018</a:t>
+              <a:t>2/24/2019</a:t>
             </a:fld>
             <a:endParaRPr lang="en-US"/>
           </a:p>
@@ -1017,7 +1013,7 @@
           <a:p>
             <a:fld id="{25FF9070-726E-4F4F-998D-B436A87A6068}" type="datetimeFigureOut">
               <a:rPr lang="en-US" smtClean="0"/>
-              <a:t>2/15/2018</a:t>
+              <a:t>2/24/2019</a:t>
             </a:fld>
             <a:endParaRPr lang="en-US"/>
           </a:p>
@@ -1246,7 +1242,7 @@
           <a:p>
             <a:fld id="{25FF9070-726E-4F4F-998D-B436A87A6068}" type="datetimeFigureOut">
               <a:rPr lang="en-US" smtClean="0"/>
-              <a:t>2/15/2018</a:t>
+              <a:t>2/24/2019</a:t>
             </a:fld>
             <a:endParaRPr lang="en-US"/>
           </a:p>
@@ -1610,7 +1606,7 @@
           <a:p>
             <a:fld id="{25FF9070-726E-4F4F-998D-B436A87A6068}" type="datetimeFigureOut">
               <a:rPr lang="en-US" smtClean="0"/>
-              <a:t>2/15/2018</a:t>
+              <a:t>2/24/2019</a:t>
             </a:fld>
             <a:endParaRPr lang="en-US"/>
           </a:p>
@@ -1727,7 +1723,7 @@
           <a:p>
             <a:fld id="{25FF9070-726E-4F4F-998D-B436A87A6068}" type="datetimeFigureOut">
               <a:rPr lang="en-US" smtClean="0"/>
-              <a:t>2/15/2018</a:t>
+              <a:t>2/24/2019</a:t>
             </a:fld>
             <a:endParaRPr lang="en-US"/>
           </a:p>
@@ -1822,7 +1818,7 @@
           <a:p>
             <a:fld id="{25FF9070-726E-4F4F-998D-B436A87A6068}" type="datetimeFigureOut">
               <a:rPr lang="en-US" smtClean="0"/>
-              <a:t>2/15/2018</a:t>
+              <a:t>2/24/2019</a:t>
             </a:fld>
             <a:endParaRPr lang="en-US"/>
           </a:p>
@@ -2097,7 +2093,7 @@
           <a:p>
             <a:fld id="{25FF9070-726E-4F4F-998D-B436A87A6068}" type="datetimeFigureOut">
               <a:rPr lang="en-US" smtClean="0"/>
-              <a:t>2/15/2018</a:t>
+              <a:t>2/24/2019</a:t>
             </a:fld>
             <a:endParaRPr lang="en-US"/>
           </a:p>
@@ -2349,7 +2345,7 @@
           <a:p>
             <a:fld id="{25FF9070-726E-4F4F-998D-B436A87A6068}" type="datetimeFigureOut">
               <a:rPr lang="en-US" smtClean="0"/>
-              <a:t>2/15/2018</a:t>
+              <a:t>2/24/2019</a:t>
             </a:fld>
             <a:endParaRPr lang="en-US"/>
           </a:p>
@@ -2560,7 +2556,7 @@
           <a:p>
             <a:fld id="{25FF9070-726E-4F4F-998D-B436A87A6068}" type="datetimeFigureOut">
               <a:rPr lang="en-US" smtClean="0"/>
-              <a:t>2/15/2018</a:t>
+              <a:t>2/24/2019</a:t>
             </a:fld>
             <a:endParaRPr lang="en-US"/>
           </a:p>
@@ -3013,7 +3009,7 @@
             <a:pPr lvl="1"/>
             <a:r>
               <a:rPr lang="en-US" dirty="0"/>
-              <a:t>Project 1 Due on Sunday</a:t>
+              <a:t>Project 1 Due</a:t>
             </a:r>
           </a:p>
           <a:p>
@@ -3037,21 +3033,14 @@
           <a:p>
             <a:r>
               <a:rPr lang="en-US" dirty="0"/>
-              <a:t>Next Week  - March 1</a:t>
+              <a:t>Next Week  - March 4</a:t>
             </a:r>
           </a:p>
           <a:p>
             <a:pPr lvl="1"/>
             <a:r>
               <a:rPr lang="en-US" dirty="0"/>
-              <a:t>Debugging and Try\Except</a:t>
-            </a:r>
-          </a:p>
-          <a:p>
-            <a:pPr lvl="1"/>
-            <a:r>
-              <a:rPr lang="en-US" dirty="0"/>
-              <a:t>Final Project Proposal Due</a:t>
+              <a:t>Turning scripts into GP Tools</a:t>
             </a:r>
           </a:p>
           <a:p>
@@ -3059,6 +3048,13 @@
             <a:r>
               <a:rPr lang="en-US" dirty="0"/>
               <a:t>Homework</a:t>
+            </a:r>
+          </a:p>
+          <a:p>
+            <a:pPr lvl="1"/>
+            <a:r>
+              <a:rPr lang="en-US" dirty="0"/>
+              <a:t>Final Project Proposal</a:t>
             </a:r>
           </a:p>
           <a:p>
